--- a/主要逻辑关系.pptx
+++ b/主要逻辑关系.pptx
@@ -289,7 +289,7 @@
           <a:p>
             <a:fld id="{530820CF-B880-4189-942D-D702A7CBA730}" type="datetimeFigureOut">
               <a:rPr lang="zh-CN" altLang="en-US" smtClean="0"/>
-              <a:t>2017/4/5</a:t>
+              <a:t>2017/4/6</a:t>
             </a:fld>
             <a:endParaRPr lang="zh-CN" altLang="en-US"/>
           </a:p>
@@ -454,7 +454,7 @@
           <a:p>
             <a:fld id="{530820CF-B880-4189-942D-D702A7CBA730}" type="datetimeFigureOut">
               <a:rPr lang="zh-CN" altLang="en-US" smtClean="0"/>
-              <a:t>2017/4/5</a:t>
+              <a:t>2017/4/6</a:t>
             </a:fld>
             <a:endParaRPr lang="zh-CN" altLang="en-US"/>
           </a:p>
@@ -629,7 +629,7 @@
           <a:p>
             <a:fld id="{530820CF-B880-4189-942D-D702A7CBA730}" type="datetimeFigureOut">
               <a:rPr lang="zh-CN" altLang="en-US" smtClean="0"/>
-              <a:t>2017/4/5</a:t>
+              <a:t>2017/4/6</a:t>
             </a:fld>
             <a:endParaRPr lang="zh-CN" altLang="en-US"/>
           </a:p>
@@ -794,7 +794,7 @@
           <a:p>
             <a:fld id="{530820CF-B880-4189-942D-D702A7CBA730}" type="datetimeFigureOut">
               <a:rPr lang="zh-CN" altLang="en-US" smtClean="0"/>
-              <a:t>2017/4/5</a:t>
+              <a:t>2017/4/6</a:t>
             </a:fld>
             <a:endParaRPr lang="zh-CN" altLang="en-US"/>
           </a:p>
@@ -1035,7 +1035,7 @@
           <a:p>
             <a:fld id="{530820CF-B880-4189-942D-D702A7CBA730}" type="datetimeFigureOut">
               <a:rPr lang="zh-CN" altLang="en-US" smtClean="0"/>
-              <a:t>2017/4/5</a:t>
+              <a:t>2017/4/6</a:t>
             </a:fld>
             <a:endParaRPr lang="zh-CN" altLang="en-US"/>
           </a:p>
@@ -1318,7 +1318,7 @@
           <a:p>
             <a:fld id="{530820CF-B880-4189-942D-D702A7CBA730}" type="datetimeFigureOut">
               <a:rPr lang="zh-CN" altLang="en-US" smtClean="0"/>
-              <a:t>2017/4/5</a:t>
+              <a:t>2017/4/6</a:t>
             </a:fld>
             <a:endParaRPr lang="zh-CN" altLang="en-US"/>
           </a:p>
@@ -1735,7 +1735,7 @@
           <a:p>
             <a:fld id="{530820CF-B880-4189-942D-D702A7CBA730}" type="datetimeFigureOut">
               <a:rPr lang="zh-CN" altLang="en-US" smtClean="0"/>
-              <a:t>2017/4/5</a:t>
+              <a:t>2017/4/6</a:t>
             </a:fld>
             <a:endParaRPr lang="zh-CN" altLang="en-US"/>
           </a:p>
@@ -1848,7 +1848,7 @@
           <a:p>
             <a:fld id="{530820CF-B880-4189-942D-D702A7CBA730}" type="datetimeFigureOut">
               <a:rPr lang="zh-CN" altLang="en-US" smtClean="0"/>
-              <a:t>2017/4/5</a:t>
+              <a:t>2017/4/6</a:t>
             </a:fld>
             <a:endParaRPr lang="zh-CN" altLang="en-US"/>
           </a:p>
@@ -1938,7 +1938,7 @@
           <a:p>
             <a:fld id="{530820CF-B880-4189-942D-D702A7CBA730}" type="datetimeFigureOut">
               <a:rPr lang="zh-CN" altLang="en-US" smtClean="0"/>
-              <a:t>2017/4/5</a:t>
+              <a:t>2017/4/6</a:t>
             </a:fld>
             <a:endParaRPr lang="zh-CN" altLang="en-US"/>
           </a:p>
@@ -2210,7 +2210,7 @@
           <a:p>
             <a:fld id="{530820CF-B880-4189-942D-D702A7CBA730}" type="datetimeFigureOut">
               <a:rPr lang="zh-CN" altLang="en-US" smtClean="0"/>
-              <a:t>2017/4/5</a:t>
+              <a:t>2017/4/6</a:t>
             </a:fld>
             <a:endParaRPr lang="zh-CN" altLang="en-US"/>
           </a:p>
@@ -2458,7 +2458,7 @@
           <a:p>
             <a:fld id="{530820CF-B880-4189-942D-D702A7CBA730}" type="datetimeFigureOut">
               <a:rPr lang="zh-CN" altLang="en-US" smtClean="0"/>
-              <a:t>2017/4/5</a:t>
+              <a:t>2017/4/6</a:t>
             </a:fld>
             <a:endParaRPr lang="zh-CN" altLang="en-US"/>
           </a:p>
@@ -2666,7 +2666,7 @@
           <a:p>
             <a:fld id="{530820CF-B880-4189-942D-D702A7CBA730}" type="datetimeFigureOut">
               <a:rPr lang="zh-CN" altLang="en-US" smtClean="0"/>
-              <a:t>2017/4/5</a:t>
+              <a:t>2017/4/6</a:t>
             </a:fld>
             <a:endParaRPr lang="zh-CN" altLang="en-US"/>
           </a:p>
@@ -3704,7 +3704,7 @@
         </p:nvSpPr>
         <p:spPr>
           <a:xfrm>
-            <a:off x="4485906" y="346780"/>
+            <a:off x="4065693" y="400584"/>
             <a:ext cx="2606373" cy="936104"/>
           </a:xfrm>
           <a:prstGeom prst="rect">
@@ -3764,7 +3764,7 @@
         <p:spPr>
           <a:xfrm>
             <a:off x="3347864" y="688616"/>
-            <a:ext cx="1138042" cy="126216"/>
+            <a:ext cx="717829" cy="180020"/>
           </a:xfrm>
           <a:prstGeom prst="straightConnector1">
             <a:avLst/>
@@ -3796,7 +3796,7 @@
         </p:nvSpPr>
         <p:spPr>
           <a:xfrm>
-            <a:off x="4015038" y="1997596"/>
+            <a:off x="3706778" y="1997596"/>
             <a:ext cx="1166779" cy="518198"/>
           </a:xfrm>
           <a:prstGeom prst="rect">
@@ -3844,7 +3844,7 @@
         </p:nvSpPr>
         <p:spPr>
           <a:xfrm>
-            <a:off x="6063443" y="1970206"/>
+            <a:off x="5373308" y="1970206"/>
             <a:ext cx="1142908" cy="518198"/>
           </a:xfrm>
           <a:prstGeom prst="rect">
@@ -3890,7 +3890,7 @@
         </p:nvCxnSpPr>
         <p:spPr>
           <a:xfrm flipH="1">
-            <a:off x="4598428" y="1282884"/>
+            <a:off x="4290168" y="1282884"/>
             <a:ext cx="189596" cy="714712"/>
           </a:xfrm>
           <a:prstGeom prst="straightConnector1">
@@ -3925,7 +3925,7 @@
         </p:nvCxnSpPr>
         <p:spPr>
           <a:xfrm>
-            <a:off x="5946211" y="1253226"/>
+            <a:off x="5256076" y="1253226"/>
             <a:ext cx="688686" cy="716980"/>
           </a:xfrm>
           <a:prstGeom prst="straightConnector1">
@@ -4030,24 +4030,120 @@
           </a:fontRef>
         </p:style>
       </p:cxnSp>
+      <p:sp>
+        <p:nvSpPr>
+          <p:cNvPr id="31" name="矩形 30"/>
+          <p:cNvSpPr/>
+          <p:nvPr/>
+        </p:nvSpPr>
+        <p:spPr>
+          <a:xfrm>
+            <a:off x="7060886" y="1889684"/>
+            <a:ext cx="1839978" cy="518198"/>
+          </a:xfrm>
+          <a:prstGeom prst="rect">
+            <a:avLst/>
+          </a:prstGeom>
+        </p:spPr>
+        <p:style>
+          <a:lnRef idx="2">
+            <a:schemeClr val="accent1">
+              <a:shade val="50000"/>
+            </a:schemeClr>
+          </a:lnRef>
+          <a:fillRef idx="1">
+            <a:schemeClr val="accent1"/>
+          </a:fillRef>
+          <a:effectRef idx="0">
+            <a:schemeClr val="accent1"/>
+          </a:effectRef>
+          <a:fontRef idx="minor">
+            <a:schemeClr val="lt1"/>
+          </a:fontRef>
+        </p:style>
+        <p:txBody>
+          <a:bodyPr rtlCol="0" anchor="ctr"/>
+          <a:lstStyle/>
+          <a:p>
+            <a:pPr algn="ctr"/>
+            <a:r>
+              <a:rPr lang="zh-CN" altLang="en-US" dirty="0" smtClean="0"/>
+              <a:t>个人保单</a:t>
+            </a:r>
+            <a:endParaRPr lang="zh-CN" altLang="en-US" dirty="0"/>
+          </a:p>
+        </p:txBody>
+      </p:sp>
+      <p:sp>
+        <p:nvSpPr>
+          <p:cNvPr id="32" name="矩形 31"/>
+          <p:cNvSpPr/>
+          <p:nvPr/>
+        </p:nvSpPr>
+        <p:spPr>
+          <a:xfrm>
+            <a:off x="7524328" y="609537"/>
+            <a:ext cx="1142908" cy="518198"/>
+          </a:xfrm>
+          <a:prstGeom prst="rect">
+            <a:avLst/>
+          </a:prstGeom>
+        </p:spPr>
+        <p:style>
+          <a:lnRef idx="2">
+            <a:schemeClr val="accent1">
+              <a:shade val="50000"/>
+            </a:schemeClr>
+          </a:lnRef>
+          <a:fillRef idx="1">
+            <a:schemeClr val="accent1"/>
+          </a:fillRef>
+          <a:effectRef idx="0">
+            <a:schemeClr val="accent1"/>
+          </a:effectRef>
+          <a:fontRef idx="minor">
+            <a:schemeClr val="lt1"/>
+          </a:fontRef>
+        </p:style>
+        <p:txBody>
+          <a:bodyPr rtlCol="0" anchor="ctr"/>
+          <a:lstStyle/>
+          <a:p>
+            <a:pPr algn="ctr"/>
+            <a:r>
+              <a:rPr lang="zh-CN" altLang="en-US" dirty="0" smtClean="0"/>
+              <a:t>方案（</a:t>
+            </a:r>
+            <a:r>
+              <a:rPr lang="en-US" altLang="zh-CN" dirty="0" smtClean="0"/>
+              <a:t>policy</a:t>
+            </a:r>
+            <a:r>
+              <a:rPr lang="zh-CN" altLang="en-US" dirty="0" smtClean="0"/>
+              <a:t>）</a:t>
+            </a:r>
+            <a:endParaRPr lang="zh-CN" altLang="en-US" dirty="0"/>
+          </a:p>
+        </p:txBody>
+      </p:sp>
       <p:cxnSp>
         <p:nvCxnSpPr>
-          <p:cNvPr id="51" name="直接连接符 50"/>
+          <p:cNvPr id="33" name="直接箭头连接符 32"/>
           <p:cNvCxnSpPr>
-            <a:stCxn id="39" idx="3"/>
+            <a:endCxn id="29" idx="3"/>
           </p:cNvCxnSpPr>
           <p:nvPr/>
         </p:nvCxnSpPr>
         <p:spPr>
-          <a:xfrm>
-            <a:off x="7206351" y="2229305"/>
-            <a:ext cx="425989" cy="551623"/>
-          </a:xfrm>
-          <a:prstGeom prst="line">
+          <a:xfrm flipH="1" flipV="1">
+            <a:off x="6672066" y="868636"/>
+            <a:ext cx="852262" cy="26100"/>
+          </a:xfrm>
+          <a:prstGeom prst="straightConnector1">
             <a:avLst/>
           </a:prstGeom>
           <a:ln>
-            <a:prstDash val="dash"/>
+            <a:tailEnd type="arrow"/>
           </a:ln>
         </p:spPr>
         <p:style>
@@ -4065,16 +4161,51 @@
           </a:fontRef>
         </p:style>
       </p:cxnSp>
-      <p:sp>
-        <p:nvSpPr>
-          <p:cNvPr id="52" name="TextBox 51"/>
+      <p:cxnSp>
+        <p:nvCxnSpPr>
+          <p:cNvPr id="34" name="直接箭头连接符 33"/>
+          <p:cNvCxnSpPr>
+            <a:endCxn id="31" idx="0"/>
+          </p:cNvCxnSpPr>
+          <p:nvPr/>
+        </p:nvCxnSpPr>
+        <p:spPr>
+          <a:xfrm>
+            <a:off x="6444208" y="1336688"/>
+            <a:ext cx="1536667" cy="552996"/>
+          </a:xfrm>
+          <a:prstGeom prst="straightConnector1">
+            <a:avLst/>
+          </a:prstGeom>
+          <a:ln>
+            <a:tailEnd type="arrow"/>
+          </a:ln>
+        </p:spPr>
+        <p:style>
+          <a:lnRef idx="1">
+            <a:schemeClr val="accent1"/>
+          </a:lnRef>
+          <a:fillRef idx="0">
+            <a:schemeClr val="accent1"/>
+          </a:fillRef>
+          <a:effectRef idx="0">
+            <a:schemeClr val="accent1"/>
+          </a:effectRef>
+          <a:fontRef idx="minor">
+            <a:schemeClr val="tx1"/>
+          </a:fontRef>
+        </p:style>
+      </p:cxnSp>
+      <p:sp>
+        <p:nvSpPr>
+          <p:cNvPr id="37" name="TextBox 36"/>
           <p:cNvSpPr txBox="1"/>
           <p:nvPr/>
         </p:nvSpPr>
         <p:spPr>
           <a:xfrm>
-            <a:off x="7403064" y="2331128"/>
-            <a:ext cx="415498" cy="369332"/>
+            <a:off x="6760977" y="614678"/>
+            <a:ext cx="763351" cy="369332"/>
           </a:xfrm>
           <a:prstGeom prst="rect">
             <a:avLst/>
@@ -4088,12 +4219,92 @@
           <a:lstStyle/>
           <a:p>
             <a:r>
+              <a:rPr lang="en-US" altLang="zh-CN" dirty="0" smtClean="0"/>
+              <a:t>1</a:t>
+            </a:r>
+            <a:r>
+              <a:rPr lang="zh-CN" altLang="en-US" dirty="0" smtClean="0"/>
+              <a:t>对</a:t>
+            </a:r>
+            <a:r>
               <a:rPr lang="zh-CN" altLang="en-US" dirty="0"/>
-              <a:t>？</a:t>
-            </a:r>
-          </a:p>
-        </p:txBody>
-      </p:sp>
+              <a:t>多</a:t>
+            </a:r>
+          </a:p>
+        </p:txBody>
+      </p:sp>
+      <p:sp>
+        <p:nvSpPr>
+          <p:cNvPr id="38" name="TextBox 37"/>
+          <p:cNvSpPr txBox="1"/>
+          <p:nvPr/>
+        </p:nvSpPr>
+        <p:spPr>
+          <a:xfrm>
+            <a:off x="7021389" y="1428520"/>
+            <a:ext cx="763351" cy="369332"/>
+          </a:xfrm>
+          <a:prstGeom prst="rect">
+            <a:avLst/>
+          </a:prstGeom>
+          <a:noFill/>
+        </p:spPr>
+        <p:txBody>
+          <a:bodyPr wrap="none" rtlCol="0">
+            <a:spAutoFit/>
+          </a:bodyPr>
+          <a:lstStyle/>
+          <a:p>
+            <a:r>
+              <a:rPr lang="en-US" altLang="zh-CN" dirty="0" smtClean="0"/>
+              <a:t>1</a:t>
+            </a:r>
+            <a:r>
+              <a:rPr lang="zh-CN" altLang="en-US" dirty="0" smtClean="0"/>
+              <a:t>对</a:t>
+            </a:r>
+            <a:r>
+              <a:rPr lang="zh-CN" altLang="en-US" dirty="0"/>
+              <a:t>多</a:t>
+            </a:r>
+          </a:p>
+        </p:txBody>
+      </p:sp>
+      <p:cxnSp>
+        <p:nvCxnSpPr>
+          <p:cNvPr id="41" name="直接箭头连接符 40"/>
+          <p:cNvCxnSpPr>
+            <a:endCxn id="44" idx="0"/>
+          </p:cNvCxnSpPr>
+          <p:nvPr/>
+        </p:nvCxnSpPr>
+        <p:spPr>
+          <a:xfrm flipH="1">
+            <a:off x="7784740" y="2407882"/>
+            <a:ext cx="190412" cy="459663"/>
+          </a:xfrm>
+          <a:prstGeom prst="straightConnector1">
+            <a:avLst/>
+          </a:prstGeom>
+          <a:ln>
+            <a:tailEnd type="arrow"/>
+          </a:ln>
+        </p:spPr>
+        <p:style>
+          <a:lnRef idx="1">
+            <a:schemeClr val="accent1"/>
+          </a:lnRef>
+          <a:fillRef idx="0">
+            <a:schemeClr val="accent1"/>
+          </a:fillRef>
+          <a:effectRef idx="0">
+            <a:schemeClr val="accent1"/>
+          </a:effectRef>
+          <a:fontRef idx="minor">
+            <a:schemeClr val="tx1"/>
+          </a:fontRef>
+        </p:style>
+      </p:cxnSp>
     </p:spTree>
     <p:extLst>
       <p:ext uri="{BB962C8B-B14F-4D97-AF65-F5344CB8AC3E}">
@@ -4124,291 +4335,6 @@
           <a:chExt cx="0" cy="0"/>
         </a:xfrm>
       </p:grpSpPr>
-      <p:sp>
-        <p:nvSpPr>
-          <p:cNvPr id="4" name="矩形 3"/>
-          <p:cNvSpPr/>
-          <p:nvPr/>
-        </p:nvSpPr>
-        <p:spPr>
-          <a:xfrm>
-            <a:off x="3369783" y="1484784"/>
-            <a:ext cx="2232248" cy="936104"/>
-          </a:xfrm>
-          <a:prstGeom prst="rect">
-            <a:avLst/>
-          </a:prstGeom>
-        </p:spPr>
-        <p:style>
-          <a:lnRef idx="2">
-            <a:schemeClr val="accent1">
-              <a:shade val="50000"/>
-            </a:schemeClr>
-          </a:lnRef>
-          <a:fillRef idx="1">
-            <a:schemeClr val="accent1"/>
-          </a:fillRef>
-          <a:effectRef idx="0">
-            <a:schemeClr val="accent1"/>
-          </a:effectRef>
-          <a:fontRef idx="minor">
-            <a:schemeClr val="lt1"/>
-          </a:fontRef>
-        </p:style>
-        <p:txBody>
-          <a:bodyPr rtlCol="0" anchor="ctr"/>
-          <a:lstStyle/>
-          <a:p>
-            <a:pPr algn="ctr"/>
-            <a:r>
-              <a:rPr lang="zh-CN" altLang="en-US" dirty="0" smtClean="0"/>
-              <a:t>个人保单</a:t>
-            </a:r>
-            <a:endParaRPr lang="zh-CN" altLang="en-US" dirty="0"/>
-          </a:p>
-        </p:txBody>
-      </p:sp>
-      <p:sp>
-        <p:nvSpPr>
-          <p:cNvPr id="5" name="矩形 4"/>
-          <p:cNvSpPr/>
-          <p:nvPr/>
-        </p:nvSpPr>
-        <p:spPr>
-          <a:xfrm>
-            <a:off x="496144" y="3501008"/>
-            <a:ext cx="2232248" cy="648072"/>
-          </a:xfrm>
-          <a:prstGeom prst="rect">
-            <a:avLst/>
-          </a:prstGeom>
-        </p:spPr>
-        <p:style>
-          <a:lnRef idx="2">
-            <a:schemeClr val="accent1">
-              <a:shade val="50000"/>
-            </a:schemeClr>
-          </a:lnRef>
-          <a:fillRef idx="1">
-            <a:schemeClr val="accent1"/>
-          </a:fillRef>
-          <a:effectRef idx="0">
-            <a:schemeClr val="accent1"/>
-          </a:effectRef>
-          <a:fontRef idx="minor">
-            <a:schemeClr val="lt1"/>
-          </a:fontRef>
-        </p:style>
-        <p:txBody>
-          <a:bodyPr rtlCol="0" anchor="ctr"/>
-          <a:lstStyle/>
-          <a:p>
-            <a:pPr algn="ctr"/>
-            <a:r>
-              <a:rPr lang="zh-CN" altLang="en-US" dirty="0" smtClean="0"/>
-              <a:t>保单（</a:t>
-            </a:r>
-            <a:r>
-              <a:rPr lang="en-US" altLang="zh-CN" dirty="0" smtClean="0"/>
-              <a:t>policy</a:t>
-            </a:r>
-            <a:r>
-              <a:rPr lang="zh-CN" altLang="en-US" dirty="0" smtClean="0"/>
-              <a:t>）</a:t>
-            </a:r>
-            <a:endParaRPr lang="zh-CN" altLang="en-US" dirty="0"/>
-          </a:p>
-        </p:txBody>
-      </p:sp>
-      <p:sp>
-        <p:nvSpPr>
-          <p:cNvPr id="6" name="矩形 5"/>
-          <p:cNvSpPr/>
-          <p:nvPr/>
-        </p:nvSpPr>
-        <p:spPr>
-          <a:xfrm>
-            <a:off x="3382483" y="3501008"/>
-            <a:ext cx="2232248" cy="648072"/>
-          </a:xfrm>
-          <a:prstGeom prst="rect">
-            <a:avLst/>
-          </a:prstGeom>
-        </p:spPr>
-        <p:style>
-          <a:lnRef idx="2">
-            <a:schemeClr val="accent1">
-              <a:shade val="50000"/>
-            </a:schemeClr>
-          </a:lnRef>
-          <a:fillRef idx="1">
-            <a:schemeClr val="accent1"/>
-          </a:fillRef>
-          <a:effectRef idx="0">
-            <a:schemeClr val="accent1"/>
-          </a:effectRef>
-          <a:fontRef idx="minor">
-            <a:schemeClr val="lt1"/>
-          </a:fontRef>
-        </p:style>
-        <p:txBody>
-          <a:bodyPr rtlCol="0" anchor="ctr"/>
-          <a:lstStyle/>
-          <a:p>
-            <a:pPr algn="ctr"/>
-            <a:r>
-              <a:rPr lang="zh-CN" altLang="en-US" dirty="0" smtClean="0"/>
-              <a:t>被保人</a:t>
-            </a:r>
-            <a:endParaRPr lang="zh-CN" altLang="en-US" dirty="0"/>
-          </a:p>
-        </p:txBody>
-      </p:sp>
-      <p:sp>
-        <p:nvSpPr>
-          <p:cNvPr id="7" name="矩形 6"/>
-          <p:cNvSpPr/>
-          <p:nvPr/>
-        </p:nvSpPr>
-        <p:spPr>
-          <a:xfrm>
-            <a:off x="6444208" y="3463062"/>
-            <a:ext cx="2232248" cy="648072"/>
-          </a:xfrm>
-          <a:prstGeom prst="rect">
-            <a:avLst/>
-          </a:prstGeom>
-        </p:spPr>
-        <p:style>
-          <a:lnRef idx="2">
-            <a:schemeClr val="accent1">
-              <a:shade val="50000"/>
-            </a:schemeClr>
-          </a:lnRef>
-          <a:fillRef idx="1">
-            <a:schemeClr val="accent1"/>
-          </a:fillRef>
-          <a:effectRef idx="0">
-            <a:schemeClr val="accent1"/>
-          </a:effectRef>
-          <a:fontRef idx="minor">
-            <a:schemeClr val="lt1"/>
-          </a:fontRef>
-        </p:style>
-        <p:txBody>
-          <a:bodyPr rtlCol="0" anchor="ctr"/>
-          <a:lstStyle/>
-          <a:p>
-            <a:pPr algn="ctr"/>
-            <a:r>
-              <a:rPr lang="zh-CN" altLang="en-US" dirty="0" smtClean="0"/>
-              <a:t>主被保人</a:t>
-            </a:r>
-            <a:endParaRPr lang="zh-CN" altLang="en-US" dirty="0"/>
-          </a:p>
-        </p:txBody>
-      </p:sp>
-      <p:cxnSp>
-        <p:nvCxnSpPr>
-          <p:cNvPr id="8" name="直接箭头连接符 7"/>
-          <p:cNvCxnSpPr/>
-          <p:nvPr/>
-        </p:nvCxnSpPr>
-        <p:spPr>
-          <a:xfrm flipH="1">
-            <a:off x="1763688" y="2396318"/>
-            <a:ext cx="2160240" cy="1066744"/>
-          </a:xfrm>
-          <a:prstGeom prst="straightConnector1">
-            <a:avLst/>
-          </a:prstGeom>
-          <a:ln>
-            <a:tailEnd type="arrow"/>
-          </a:ln>
-        </p:spPr>
-        <p:style>
-          <a:lnRef idx="1">
-            <a:schemeClr val="accent1"/>
-          </a:lnRef>
-          <a:fillRef idx="0">
-            <a:schemeClr val="accent1"/>
-          </a:fillRef>
-          <a:effectRef idx="0">
-            <a:schemeClr val="accent1"/>
-          </a:effectRef>
-          <a:fontRef idx="minor">
-            <a:schemeClr val="tx1"/>
-          </a:fontRef>
-        </p:style>
-      </p:cxnSp>
-      <p:cxnSp>
-        <p:nvCxnSpPr>
-          <p:cNvPr id="10" name="直接箭头连接符 9"/>
-          <p:cNvCxnSpPr>
-            <a:endCxn id="6" idx="0"/>
-          </p:cNvCxnSpPr>
-          <p:nvPr/>
-        </p:nvCxnSpPr>
-        <p:spPr>
-          <a:xfrm flipH="1">
-            <a:off x="4498607" y="2371290"/>
-            <a:ext cx="35650" cy="1129718"/>
-          </a:xfrm>
-          <a:prstGeom prst="straightConnector1">
-            <a:avLst/>
-          </a:prstGeom>
-          <a:ln>
-            <a:tailEnd type="arrow"/>
-          </a:ln>
-        </p:spPr>
-        <p:style>
-          <a:lnRef idx="1">
-            <a:schemeClr val="accent1"/>
-          </a:lnRef>
-          <a:fillRef idx="0">
-            <a:schemeClr val="accent1"/>
-          </a:fillRef>
-          <a:effectRef idx="0">
-            <a:schemeClr val="accent1"/>
-          </a:effectRef>
-          <a:fontRef idx="minor">
-            <a:schemeClr val="tx1"/>
-          </a:fontRef>
-        </p:style>
-      </p:cxnSp>
-      <p:cxnSp>
-        <p:nvCxnSpPr>
-          <p:cNvPr id="12" name="直接箭头连接符 11"/>
-          <p:cNvCxnSpPr/>
-          <p:nvPr/>
-        </p:nvCxnSpPr>
-        <p:spPr>
-          <a:xfrm>
-            <a:off x="5364088" y="2420888"/>
-            <a:ext cx="1944216" cy="1042174"/>
-          </a:xfrm>
-          <a:prstGeom prst="straightConnector1">
-            <a:avLst/>
-          </a:prstGeom>
-          <a:ln>
-            <a:tailEnd type="arrow"/>
-          </a:ln>
-        </p:spPr>
-        <p:style>
-          <a:lnRef idx="1">
-            <a:schemeClr val="accent1"/>
-          </a:lnRef>
-          <a:fillRef idx="0">
-            <a:schemeClr val="accent1"/>
-          </a:fillRef>
-          <a:effectRef idx="0">
-            <a:schemeClr val="accent1"/>
-          </a:effectRef>
-          <a:fontRef idx="minor">
-            <a:schemeClr val="tx1"/>
-          </a:fontRef>
-        </p:style>
-      </p:cxnSp>
     </p:spTree>
     <p:extLst>
       <p:ext uri="{BB962C8B-B14F-4D97-AF65-F5344CB8AC3E}">

--- a/主要逻辑关系.pptx
+++ b/主要逻辑关系.pptx
@@ -289,7 +289,7 @@
           <a:p>
             <a:fld id="{530820CF-B880-4189-942D-D702A7CBA730}" type="datetimeFigureOut">
               <a:rPr lang="zh-CN" altLang="en-US" smtClean="0"/>
-              <a:t>2017/4/6</a:t>
+              <a:t>2017/4/17</a:t>
             </a:fld>
             <a:endParaRPr lang="zh-CN" altLang="en-US"/>
           </a:p>
@@ -454,7 +454,7 @@
           <a:p>
             <a:fld id="{530820CF-B880-4189-942D-D702A7CBA730}" type="datetimeFigureOut">
               <a:rPr lang="zh-CN" altLang="en-US" smtClean="0"/>
-              <a:t>2017/4/6</a:t>
+              <a:t>2017/4/17</a:t>
             </a:fld>
             <a:endParaRPr lang="zh-CN" altLang="en-US"/>
           </a:p>
@@ -629,7 +629,7 @@
           <a:p>
             <a:fld id="{530820CF-B880-4189-942D-D702A7CBA730}" type="datetimeFigureOut">
               <a:rPr lang="zh-CN" altLang="en-US" smtClean="0"/>
-              <a:t>2017/4/6</a:t>
+              <a:t>2017/4/17</a:t>
             </a:fld>
             <a:endParaRPr lang="zh-CN" altLang="en-US"/>
           </a:p>
@@ -794,7 +794,7 @@
           <a:p>
             <a:fld id="{530820CF-B880-4189-942D-D702A7CBA730}" type="datetimeFigureOut">
               <a:rPr lang="zh-CN" altLang="en-US" smtClean="0"/>
-              <a:t>2017/4/6</a:t>
+              <a:t>2017/4/17</a:t>
             </a:fld>
             <a:endParaRPr lang="zh-CN" altLang="en-US"/>
           </a:p>
@@ -1035,7 +1035,7 @@
           <a:p>
             <a:fld id="{530820CF-B880-4189-942D-D702A7CBA730}" type="datetimeFigureOut">
               <a:rPr lang="zh-CN" altLang="en-US" smtClean="0"/>
-              <a:t>2017/4/6</a:t>
+              <a:t>2017/4/17</a:t>
             </a:fld>
             <a:endParaRPr lang="zh-CN" altLang="en-US"/>
           </a:p>
@@ -1318,7 +1318,7 @@
           <a:p>
             <a:fld id="{530820CF-B880-4189-942D-D702A7CBA730}" type="datetimeFigureOut">
               <a:rPr lang="zh-CN" altLang="en-US" smtClean="0"/>
-              <a:t>2017/4/6</a:t>
+              <a:t>2017/4/17</a:t>
             </a:fld>
             <a:endParaRPr lang="zh-CN" altLang="en-US"/>
           </a:p>
@@ -1735,7 +1735,7 @@
           <a:p>
             <a:fld id="{530820CF-B880-4189-942D-D702A7CBA730}" type="datetimeFigureOut">
               <a:rPr lang="zh-CN" altLang="en-US" smtClean="0"/>
-              <a:t>2017/4/6</a:t>
+              <a:t>2017/4/17</a:t>
             </a:fld>
             <a:endParaRPr lang="zh-CN" altLang="en-US"/>
           </a:p>
@@ -1848,7 +1848,7 @@
           <a:p>
             <a:fld id="{530820CF-B880-4189-942D-D702A7CBA730}" type="datetimeFigureOut">
               <a:rPr lang="zh-CN" altLang="en-US" smtClean="0"/>
-              <a:t>2017/4/6</a:t>
+              <a:t>2017/4/17</a:t>
             </a:fld>
             <a:endParaRPr lang="zh-CN" altLang="en-US"/>
           </a:p>
@@ -1938,7 +1938,7 @@
           <a:p>
             <a:fld id="{530820CF-B880-4189-942D-D702A7CBA730}" type="datetimeFigureOut">
               <a:rPr lang="zh-CN" altLang="en-US" smtClean="0"/>
-              <a:t>2017/4/6</a:t>
+              <a:t>2017/4/17</a:t>
             </a:fld>
             <a:endParaRPr lang="zh-CN" altLang="en-US"/>
           </a:p>
@@ -2210,7 +2210,7 @@
           <a:p>
             <a:fld id="{530820CF-B880-4189-942D-D702A7CBA730}" type="datetimeFigureOut">
               <a:rPr lang="zh-CN" altLang="en-US" smtClean="0"/>
-              <a:t>2017/4/6</a:t>
+              <a:t>2017/4/17</a:t>
             </a:fld>
             <a:endParaRPr lang="zh-CN" altLang="en-US"/>
           </a:p>
@@ -2458,7 +2458,7 @@
           <a:p>
             <a:fld id="{530820CF-B880-4189-942D-D702A7CBA730}" type="datetimeFigureOut">
               <a:rPr lang="zh-CN" altLang="en-US" smtClean="0"/>
-              <a:t>2017/4/6</a:t>
+              <a:t>2017/4/17</a:t>
             </a:fld>
             <a:endParaRPr lang="zh-CN" altLang="en-US"/>
           </a:p>
@@ -2666,7 +2666,7 @@
           <a:p>
             <a:fld id="{530820CF-B880-4189-942D-D702A7CBA730}" type="datetimeFigureOut">
               <a:rPr lang="zh-CN" altLang="en-US" smtClean="0"/>
-              <a:t>2017/4/6</a:t>
+              <a:t>2017/4/17</a:t>
             </a:fld>
             <a:endParaRPr lang="zh-CN" altLang="en-US"/>
           </a:p>
@@ -3132,8 +3132,8 @@
         </p:nvSpPr>
         <p:spPr>
           <a:xfrm>
-            <a:off x="755576" y="3974459"/>
-            <a:ext cx="2232248" cy="648072"/>
+            <a:off x="323528" y="3988334"/>
+            <a:ext cx="1233604" cy="648072"/>
           </a:xfrm>
           <a:prstGeom prst="rect">
             <a:avLst/>
@@ -3162,7 +3162,7 @@
             <a:pPr algn="ctr"/>
             <a:r>
               <a:rPr lang="zh-CN" altLang="en-US" dirty="0" smtClean="0"/>
-              <a:t>理算</a:t>
+              <a:t>诊断信息</a:t>
             </a:r>
             <a:endParaRPr lang="zh-CN" altLang="en-US" dirty="0"/>
           </a:p>
@@ -3203,42 +3203,6 @@
           </a:fontRef>
         </p:style>
       </p:cxnSp>
-      <p:cxnSp>
-        <p:nvCxnSpPr>
-          <p:cNvPr id="10" name="直接箭头连接符 9"/>
-          <p:cNvCxnSpPr>
-            <a:stCxn id="5" idx="2"/>
-            <a:endCxn id="6" idx="0"/>
-          </p:cNvCxnSpPr>
-          <p:nvPr/>
-        </p:nvCxnSpPr>
-        <p:spPr>
-          <a:xfrm>
-            <a:off x="1871700" y="3212976"/>
-            <a:ext cx="0" cy="761483"/>
-          </a:xfrm>
-          <a:prstGeom prst="straightConnector1">
-            <a:avLst/>
-          </a:prstGeom>
-          <a:ln>
-            <a:tailEnd type="arrow"/>
-          </a:ln>
-        </p:spPr>
-        <p:style>
-          <a:lnRef idx="1">
-            <a:schemeClr val="accent1"/>
-          </a:lnRef>
-          <a:fillRef idx="0">
-            <a:schemeClr val="accent1"/>
-          </a:fillRef>
-          <a:effectRef idx="0">
-            <a:schemeClr val="accent1"/>
-          </a:effectRef>
-          <a:fontRef idx="minor">
-            <a:schemeClr val="tx1"/>
-          </a:fontRef>
-        </p:style>
-      </p:cxnSp>
       <p:sp>
         <p:nvSpPr>
           <p:cNvPr id="11" name="TextBox 10"/>
@@ -3247,7 +3211,7 @@
         </p:nvSpPr>
         <p:spPr>
           <a:xfrm>
-            <a:off x="2050255" y="3435109"/>
+            <a:off x="3416156" y="4666891"/>
             <a:ext cx="649537" cy="369332"/>
           </a:xfrm>
           <a:prstGeom prst="rect">
@@ -3322,8 +3286,8 @@
         </p:nvSpPr>
         <p:spPr>
           <a:xfrm>
-            <a:off x="3995936" y="3974459"/>
-            <a:ext cx="2232248" cy="648072"/>
+            <a:off x="2175020" y="3992959"/>
+            <a:ext cx="1116124" cy="648072"/>
           </a:xfrm>
           <a:prstGeom prst="rect">
             <a:avLst/>
@@ -3365,8 +3329,8 @@
         </p:nvSpPr>
         <p:spPr>
           <a:xfrm>
-            <a:off x="755576" y="5445224"/>
-            <a:ext cx="2232248" cy="648072"/>
+            <a:off x="196612" y="5317035"/>
+            <a:ext cx="1360520" cy="648072"/>
           </a:xfrm>
           <a:prstGeom prst="rect">
             <a:avLst/>
@@ -3403,13 +3367,16 @@
       <p:cxnSp>
         <p:nvCxnSpPr>
           <p:cNvPr id="15" name="直接箭头连接符 14"/>
-          <p:cNvCxnSpPr/>
+          <p:cNvCxnSpPr>
+            <a:stCxn id="6" idx="2"/>
+            <a:endCxn id="14" idx="0"/>
+          </p:cNvCxnSpPr>
           <p:nvPr/>
         </p:nvCxnSpPr>
         <p:spPr>
-          <a:xfrm>
-            <a:off x="1842148" y="4683741"/>
-            <a:ext cx="0" cy="761483"/>
+          <a:xfrm flipH="1">
+            <a:off x="876872" y="4636406"/>
+            <a:ext cx="63458" cy="680629"/>
           </a:xfrm>
           <a:prstGeom prst="straightConnector1">
             <a:avLst/>
@@ -3436,13 +3403,15 @@
       <p:cxnSp>
         <p:nvCxnSpPr>
           <p:cNvPr id="16" name="直接箭头连接符 15"/>
-          <p:cNvCxnSpPr/>
+          <p:cNvCxnSpPr>
+            <a:stCxn id="13" idx="1"/>
+          </p:cNvCxnSpPr>
           <p:nvPr/>
         </p:nvCxnSpPr>
         <p:spPr>
-          <a:xfrm>
-            <a:off x="2843808" y="3212976"/>
-            <a:ext cx="1512168" cy="761483"/>
+          <a:xfrm flipH="1">
+            <a:off x="1557132" y="4316995"/>
+            <a:ext cx="617888" cy="0"/>
           </a:xfrm>
           <a:prstGeom prst="straightConnector1">
             <a:avLst/>
@@ -3474,7 +3443,7 @@
         </p:nvSpPr>
         <p:spPr>
           <a:xfrm>
-            <a:off x="3592624" y="3573487"/>
+            <a:off x="1905686" y="3431699"/>
             <a:ext cx="763351" cy="369332"/>
           </a:xfrm>
           <a:prstGeom prst="rect">
@@ -3511,7 +3480,7 @@
         </p:nvSpPr>
         <p:spPr>
           <a:xfrm>
-            <a:off x="2066808" y="4879816"/>
+            <a:off x="1525483" y="4271699"/>
             <a:ext cx="649537" cy="369332"/>
           </a:xfrm>
           <a:prstGeom prst="rect">
@@ -3628,8 +3597,8 @@
         </p:nvSpPr>
         <p:spPr>
           <a:xfrm>
-            <a:off x="4065693" y="5445224"/>
-            <a:ext cx="2232248" cy="648072"/>
+            <a:off x="2240275" y="5388639"/>
+            <a:ext cx="1044116" cy="648072"/>
           </a:xfrm>
           <a:prstGeom prst="rect">
             <a:avLst/>
@@ -3671,7 +3640,7 @@
         </p:nvCxnSpPr>
         <p:spPr>
           <a:xfrm>
-            <a:off x="5112060" y="4622531"/>
+            <a:off x="2591317" y="4627156"/>
             <a:ext cx="0" cy="761483"/>
           </a:xfrm>
           <a:prstGeom prst="straightConnector1">
@@ -4282,6 +4251,124 @@
           <a:xfrm flipH="1">
             <a:off x="7784740" y="2407882"/>
             <a:ext cx="190412" cy="459663"/>
+          </a:xfrm>
+          <a:prstGeom prst="straightConnector1">
+            <a:avLst/>
+          </a:prstGeom>
+          <a:ln>
+            <a:tailEnd type="arrow"/>
+          </a:ln>
+        </p:spPr>
+        <p:style>
+          <a:lnRef idx="1">
+            <a:schemeClr val="accent1"/>
+          </a:lnRef>
+          <a:fillRef idx="0">
+            <a:schemeClr val="accent1"/>
+          </a:fillRef>
+          <a:effectRef idx="0">
+            <a:schemeClr val="accent1"/>
+          </a:effectRef>
+          <a:fontRef idx="minor">
+            <a:schemeClr val="tx1"/>
+          </a:fontRef>
+        </p:style>
+      </p:cxnSp>
+      <p:cxnSp>
+        <p:nvCxnSpPr>
+          <p:cNvPr id="35" name="直接箭头连接符 34"/>
+          <p:cNvCxnSpPr>
+            <a:endCxn id="13" idx="0"/>
+          </p:cNvCxnSpPr>
+          <p:nvPr/>
+        </p:nvCxnSpPr>
+        <p:spPr>
+          <a:xfrm>
+            <a:off x="2175020" y="3226851"/>
+            <a:ext cx="558062" cy="766108"/>
+          </a:xfrm>
+          <a:prstGeom prst="straightConnector1">
+            <a:avLst/>
+          </a:prstGeom>
+          <a:ln>
+            <a:tailEnd type="arrow"/>
+          </a:ln>
+        </p:spPr>
+        <p:style>
+          <a:lnRef idx="1">
+            <a:schemeClr val="accent1"/>
+          </a:lnRef>
+          <a:fillRef idx="0">
+            <a:schemeClr val="accent1"/>
+          </a:fillRef>
+          <a:effectRef idx="0">
+            <a:schemeClr val="accent1"/>
+          </a:effectRef>
+          <a:fontRef idx="minor">
+            <a:schemeClr val="tx1"/>
+          </a:fontRef>
+        </p:style>
+      </p:cxnSp>
+      <p:sp>
+        <p:nvSpPr>
+          <p:cNvPr id="48" name="矩形 47"/>
+          <p:cNvSpPr/>
+          <p:nvPr/>
+        </p:nvSpPr>
+        <p:spPr>
+          <a:xfrm>
+            <a:off x="3895556" y="5341866"/>
+            <a:ext cx="1360520" cy="648072"/>
+          </a:xfrm>
+          <a:prstGeom prst="rect">
+            <a:avLst/>
+          </a:prstGeom>
+        </p:spPr>
+        <p:style>
+          <a:lnRef idx="2">
+            <a:schemeClr val="accent1">
+              <a:shade val="50000"/>
+            </a:schemeClr>
+          </a:lnRef>
+          <a:fillRef idx="1">
+            <a:schemeClr val="accent1"/>
+          </a:fillRef>
+          <a:effectRef idx="0">
+            <a:schemeClr val="accent1"/>
+          </a:effectRef>
+          <a:fontRef idx="minor">
+            <a:schemeClr val="lt1"/>
+          </a:fontRef>
+        </p:style>
+        <p:txBody>
+          <a:bodyPr rtlCol="0" anchor="ctr"/>
+          <a:lstStyle/>
+          <a:p>
+            <a:pPr algn="ctr"/>
+            <a:r>
+              <a:rPr lang="zh-CN" altLang="en-US" dirty="0"/>
+              <a:t>赔</a:t>
+            </a:r>
+            <a:r>
+              <a:rPr lang="zh-CN" altLang="en-US" dirty="0" smtClean="0"/>
+              <a:t>付信息</a:t>
+            </a:r>
+            <a:endParaRPr lang="zh-CN" altLang="en-US" dirty="0"/>
+          </a:p>
+        </p:txBody>
+      </p:sp>
+      <p:cxnSp>
+        <p:nvCxnSpPr>
+          <p:cNvPr id="49" name="直接箭头连接符 48"/>
+          <p:cNvCxnSpPr>
+            <a:endCxn id="48" idx="0"/>
+          </p:cNvCxnSpPr>
+          <p:nvPr/>
+        </p:nvCxnSpPr>
+        <p:spPr>
+          <a:xfrm>
+            <a:off x="3269372" y="4337201"/>
+            <a:ext cx="1306444" cy="1004665"/>
           </a:xfrm>
           <a:prstGeom prst="straightConnector1">
             <a:avLst/>
